--- a/Disused code/Misc/DLM_DFO/Lectures/1 Introduction/L1b Background.pptx
+++ b/Disused code/Misc/DLM_DFO/Lectures/1 Introduction/L1b Background.pptx
@@ -337,7 +337,7 @@
           <a:p>
             <a:fld id="{ECD19FB2-3AAB-4D03-B13A-2960828C78E3}" type="datetimeFigureOut">
               <a:rPr lang="en-US" smtClean="0"/>
-              <a:t>10/17/2017</a:t>
+              <a:t>10/18/2017</a:t>
             </a:fld>
             <a:endParaRPr lang="en-US" dirty="0"/>
           </a:p>
@@ -619,7 +619,7 @@
           <a:p>
             <a:fld id="{1B80C674-7DFC-42FE-B9CD-82963CDB1557}" type="datetimeFigureOut">
               <a:rPr lang="en-US" smtClean="0"/>
-              <a:t>10/17/2017</a:t>
+              <a:t>10/18/2017</a:t>
             </a:fld>
             <a:endParaRPr lang="en-US" dirty="0"/>
           </a:p>
@@ -873,7 +873,7 @@
           <a:p>
             <a:fld id="{2076456F-F47D-4F25-8053-2A695DA0CA7D}" type="datetimeFigureOut">
               <a:rPr lang="en-US" smtClean="0"/>
-              <a:t>10/17/2017</a:t>
+              <a:t>10/18/2017</a:t>
             </a:fld>
             <a:endParaRPr lang="en-US" dirty="0"/>
           </a:p>
@@ -1196,7 +1196,7 @@
           <a:p>
             <a:fld id="{5D6C7379-69CC-4837-9905-BEBA22830C8A}" type="datetimeFigureOut">
               <a:rPr lang="en-US" smtClean="0"/>
-              <a:t>10/17/2017</a:t>
+              <a:t>10/18/2017</a:t>
             </a:fld>
             <a:endParaRPr lang="en-US" dirty="0"/>
           </a:p>
@@ -1684,7 +1684,7 @@
           <a:p>
             <a:fld id="{49EB8B7E-8AEE-4F10-BFEE-C999AD004D36}" type="datetimeFigureOut">
               <a:rPr lang="en-US" smtClean="0"/>
-              <a:t>10/17/2017</a:t>
+              <a:t>10/18/2017</a:t>
             </a:fld>
             <a:endParaRPr lang="en-US" dirty="0"/>
           </a:p>
@@ -2292,7 +2292,7 @@
           <a:p>
             <a:fld id="{8668F3F9-58BC-440B-B37B-805B9055EF92}" type="datetimeFigureOut">
               <a:rPr lang="en-US" smtClean="0"/>
-              <a:t>10/17/2017</a:t>
+              <a:t>10/18/2017</a:t>
             </a:fld>
             <a:endParaRPr lang="en-US" dirty="0"/>
           </a:p>
@@ -3185,7 +3185,7 @@
           <a:p>
             <a:fld id="{0D5A53AF-48EA-489D-8260-9DCAB666386A}" type="datetimeFigureOut">
               <a:rPr lang="en-US" smtClean="0"/>
-              <a:t>10/17/2017</a:t>
+              <a:t>10/18/2017</a:t>
             </a:fld>
             <a:endParaRPr lang="en-US" dirty="0"/>
           </a:p>
@@ -3417,7 +3417,7 @@
           <a:p>
             <a:fld id="{0DED02AE-B9A4-47BD-AF8E-97E16144138B}" type="datetimeFigureOut">
               <a:rPr lang="en-US" smtClean="0"/>
-              <a:t>10/17/2017</a:t>
+              <a:t>10/18/2017</a:t>
             </a:fld>
             <a:endParaRPr lang="en-US" dirty="0"/>
           </a:p>
@@ -3659,7 +3659,7 @@
           <a:p>
             <a:fld id="{CF0FD78B-DB02-4362-BCDC-98A55456977C}" type="datetimeFigureOut">
               <a:rPr lang="en-US" smtClean="0"/>
-              <a:t>10/17/2017</a:t>
+              <a:t>10/18/2017</a:t>
             </a:fld>
             <a:endParaRPr lang="en-US" dirty="0"/>
           </a:p>
@@ -3906,7 +3906,7 @@
           <a:p>
             <a:fld id="{99916976-5D93-46E4-A98A-FAD63E4D0EA8}" type="datetimeFigureOut">
               <a:rPr lang="en-US" smtClean="0"/>
-              <a:t>10/17/2017</a:t>
+              <a:t>10/18/2017</a:t>
             </a:fld>
             <a:endParaRPr lang="en-US" dirty="0"/>
           </a:p>
@@ -4207,7 +4207,7 @@
           <a:p>
             <a:fld id="{0F39F4F5-F4D2-4D2A-AB60-88D37ADCB869}" type="datetimeFigureOut">
               <a:rPr lang="en-US" smtClean="0"/>
-              <a:t>10/17/2017</a:t>
+              <a:t>10/18/2017</a:t>
             </a:fld>
             <a:endParaRPr lang="en-US" dirty="0"/>
           </a:p>
@@ -4439,7 +4439,7 @@
           <a:p>
             <a:fld id="{D23BC6CE-6D1E-47E5-8859-F31AC5380EB2}" type="datetimeFigureOut">
               <a:rPr lang="en-US" smtClean="0"/>
-              <a:t>10/17/2017</a:t>
+              <a:t>10/18/2017</a:t>
             </a:fld>
             <a:endParaRPr lang="en-US" dirty="0"/>
           </a:p>
@@ -4834,7 +4834,7 @@
           <a:p>
             <a:fld id="{B1B4E7C4-4DA4-404D-9965-B13F2DD7D8BF}" type="datetimeFigureOut">
               <a:rPr lang="en-US" smtClean="0"/>
-              <a:t>10/17/2017</a:t>
+              <a:t>10/18/2017</a:t>
             </a:fld>
             <a:endParaRPr lang="en-US" dirty="0"/>
           </a:p>
@@ -4952,7 +4952,7 @@
           <a:p>
             <a:fld id="{476FB7AA-4A53-424F-AD41-70827B6504BA}" type="datetimeFigureOut">
               <a:rPr lang="en-US" smtClean="0"/>
-              <a:t>10/17/2017</a:t>
+              <a:t>10/18/2017</a:t>
             </a:fld>
             <a:endParaRPr lang="en-US" dirty="0"/>
           </a:p>
@@ -5047,7 +5047,7 @@
           <a:p>
             <a:fld id="{E7884882-FB12-4BC8-9960-9AD8104D7FAE}" type="datetimeFigureOut">
               <a:rPr lang="en-US" smtClean="0"/>
-              <a:t>10/17/2017</a:t>
+              <a:t>10/18/2017</a:t>
             </a:fld>
             <a:endParaRPr lang="en-US" dirty="0"/>
           </a:p>
@@ -5322,7 +5322,7 @@
           <a:p>
             <a:fld id="{F7D1BD23-6E54-4D9D-AD88-A2813C73CC25}" type="datetimeFigureOut">
               <a:rPr lang="en-US" smtClean="0"/>
-              <a:t>10/17/2017</a:t>
+              <a:t>10/18/2017</a:t>
             </a:fld>
             <a:endParaRPr lang="en-US" dirty="0"/>
           </a:p>
@@ -5605,7 +5605,7 @@
           <a:p>
             <a:fld id="{1471A834-4F3C-4AF9-9C74-05EC35A0F292}" type="datetimeFigureOut">
               <a:rPr lang="en-US" smtClean="0"/>
-              <a:t>10/17/2017</a:t>
+              <a:t>10/18/2017</a:t>
             </a:fld>
             <a:endParaRPr lang="en-US" dirty="0"/>
           </a:p>
@@ -5839,7 +5839,7 @@
             <a:fld id="{51CF1133-3259-4C45-BABA-5B62D9C6F78D}" type="datetimeFigureOut">
               <a:rPr lang="en-US" smtClean="0"/>
               <a:pPr/>
-              <a:t>10/17/2017</a:t>
+              <a:t>10/18/2017</a:t>
             </a:fld>
             <a:endParaRPr lang="en-US" dirty="0"/>
           </a:p>
@@ -8828,7 +8828,12 @@
             <p:ph type="title"/>
           </p:nvPr>
         </p:nvSpPr>
-        <p:spPr/>
+        <p:spPr>
+          <a:xfrm>
+            <a:off x="467544" y="401637"/>
+            <a:ext cx="7886700" cy="1325563"/>
+          </a:xfrm>
+        </p:spPr>
         <p:txBody>
           <a:bodyPr/>
           <a:lstStyle/>
@@ -9424,7 +9429,12 @@
             <p:ph type="title"/>
           </p:nvPr>
         </p:nvSpPr>
-        <p:spPr/>
+        <p:spPr>
+          <a:xfrm>
+            <a:off x="457200" y="623744"/>
+            <a:ext cx="7886700" cy="1325563"/>
+          </a:xfrm>
+        </p:spPr>
         <p:txBody>
           <a:bodyPr/>
           <a:lstStyle/>
@@ -9448,7 +9458,7 @@
         </p:nvSpPr>
         <p:spPr>
           <a:xfrm>
-            <a:off x="457200" y="1600200"/>
+            <a:off x="457200" y="2237509"/>
             <a:ext cx="8229600" cy="4525963"/>
           </a:xfrm>
         </p:spPr>
@@ -9458,43 +9468,76 @@
           </a:bodyPr>
           <a:lstStyle/>
           <a:p>
-            <a:r>
-              <a:rPr lang="en-CA" sz="2800" dirty="0"/>
+            <a:pPr>
+              <a:spcBef>
+                <a:spcPts val="1200"/>
+              </a:spcBef>
+            </a:pPr>
+            <a:r>
+              <a:rPr lang="en-CA" dirty="0"/>
               <a:t>Technically complex</a:t>
             </a:r>
           </a:p>
           <a:p>
-            <a:r>
-              <a:rPr lang="en-CA" sz="2800" dirty="0"/>
+            <a:pPr>
+              <a:spcBef>
+                <a:spcPts val="1200"/>
+              </a:spcBef>
+            </a:pPr>
+            <a:r>
+              <a:rPr lang="en-CA" dirty="0"/>
               <a:t>Generally data demanding</a:t>
             </a:r>
           </a:p>
           <a:p>
-            <a:r>
-              <a:rPr lang="en-CA" sz="2800" dirty="0"/>
+            <a:pPr>
+              <a:spcBef>
+                <a:spcPts val="1200"/>
+              </a:spcBef>
+            </a:pPr>
+            <a:r>
+              <a:rPr lang="en-CA" dirty="0"/>
               <a:t>The science often requires expert judgement (can be subjective)</a:t>
             </a:r>
           </a:p>
           <a:p>
-            <a:r>
-              <a:rPr lang="en-CA" sz="2800" dirty="0"/>
+            <a:pPr>
+              <a:spcBef>
+                <a:spcPts val="1200"/>
+              </a:spcBef>
+            </a:pPr>
+            <a:r>
+              <a:rPr lang="en-CA" dirty="0"/>
               <a:t>Requires agreement on performance measures</a:t>
             </a:r>
           </a:p>
           <a:p>
-            <a:r>
-              <a:rPr lang="en-CA" sz="2800" dirty="0"/>
+            <a:pPr>
+              <a:spcBef>
+                <a:spcPts val="1200"/>
+              </a:spcBef>
+            </a:pPr>
+            <a:r>
+              <a:rPr lang="en-CA" dirty="0"/>
               <a:t>Requires agreement on operating model configuration</a:t>
             </a:r>
           </a:p>
           <a:p>
-            <a:r>
-              <a:rPr lang="en-CA" sz="2800" dirty="0"/>
+            <a:pPr>
+              <a:spcBef>
+                <a:spcPts val="1200"/>
+              </a:spcBef>
+            </a:pPr>
+            <a:r>
+              <a:rPr lang="en-CA" dirty="0"/>
               <a:t>Relies on future data collection to support management procedures</a:t>
             </a:r>
           </a:p>
           <a:p>
-            <a:endParaRPr lang="en-CA" sz="2800" dirty="0"/>
+            <a:pPr marL="0" indent="0">
+              <a:buNone/>
+            </a:pPr>
+            <a:endParaRPr lang="en-CA" dirty="0"/>
           </a:p>
         </p:txBody>
       </p:sp>
@@ -9880,7 +9923,7 @@
           <a:p>
             <a:r>
               <a:rPr lang="en-CA" dirty="0"/>
-              <a:t>4. Things you will be able to do at the end of this workshop</a:t>
+              <a:t>4. Things you will be able to do at the end of this training</a:t>
             </a:r>
           </a:p>
         </p:txBody>
@@ -10455,7 +10498,7 @@
             </a:r>
             <a:r>
               <a:rPr lang="en-CA" dirty="0"/>
-              <a:t>   A catch limit</a:t>
+              <a:t>     A catch limit</a:t>
             </a:r>
           </a:p>
           <a:p>
@@ -10476,7 +10519,7 @@
             </a:r>
             <a:r>
               <a:rPr lang="en-CA" dirty="0"/>
-              <a:t>     Fishing effort / size limit / spatial closure</a:t>
+              <a:t>      Fishing effort / size limit / spatial closure</a:t>
             </a:r>
           </a:p>
           <a:p>
@@ -10537,7 +10580,7 @@
             </a:pPr>
             <a:r>
               <a:rPr lang="en-CA" b="1" dirty="0"/>
-              <a:t>Implementation model 	</a:t>
+              <a:t>Implementation model      </a:t>
             </a:r>
             <a:r>
               <a:rPr lang="en-CA" dirty="0"/>
@@ -11457,7 +11500,7 @@
             </a:pPr>
             <a:r>
               <a:rPr lang="en-CA" dirty="0"/>
-              <a:t>A joint NRDC – NOAA workshop in January 2014 reviewed methods and outlined the requirements of DLMtool v0.1</a:t>
+              <a:t>A joint NRDC – NOAA workshop in January 2014 reviewed methods and identified Management Strategy Evaluation as a solution for evaluating data-limited methods (the impetus for DLMtool v0.1)</a:t>
             </a:r>
           </a:p>
           <a:p>
@@ -12152,7 +12195,7 @@
         </p:spPr>
         <p:txBody>
           <a:bodyPr>
-            <a:normAutofit fontScale="92500" lnSpcReduction="10000"/>
+            <a:normAutofit fontScale="92500"/>
           </a:bodyPr>
           <a:lstStyle/>
           <a:p>
@@ -12174,7 +12217,7 @@
             </a:pPr>
             <a:r>
               <a:rPr lang="en-CA" dirty="0"/>
-              <a:t>First applied in fisheries by the IWC (Butterworth and Punt 1999)</a:t>
+              <a:t>First operationalized by the IWC (Butterworth and Punt 1999)</a:t>
             </a:r>
           </a:p>
           <a:p>
@@ -12205,7 +12248,7 @@
                   <a:srgbClr val="F6BB00"/>
                 </a:solidFill>
               </a:rPr>
-              <a:t>system dynamic</a:t>
+              <a:t>system dynamics</a:t>
             </a:r>
             <a:r>
               <a:rPr lang="en-CA" dirty="0"/>

--- a/Disused code/Misc/DLM_DFO/Lectures/1 Introduction/L1b Background.pptx
+++ b/Disused code/Misc/DLM_DFO/Lectures/1 Introduction/L1b Background.pptx
@@ -337,7 +337,7 @@
           <a:p>
             <a:fld id="{ECD19FB2-3AAB-4D03-B13A-2960828C78E3}" type="datetimeFigureOut">
               <a:rPr lang="en-US" smtClean="0"/>
-              <a:t>10/18/2017</a:t>
+              <a:t>10/21/2017</a:t>
             </a:fld>
             <a:endParaRPr lang="en-US" dirty="0"/>
           </a:p>
@@ -619,7 +619,7 @@
           <a:p>
             <a:fld id="{1B80C674-7DFC-42FE-B9CD-82963CDB1557}" type="datetimeFigureOut">
               <a:rPr lang="en-US" smtClean="0"/>
-              <a:t>10/18/2017</a:t>
+              <a:t>10/21/2017</a:t>
             </a:fld>
             <a:endParaRPr lang="en-US" dirty="0"/>
           </a:p>
@@ -873,7 +873,7 @@
           <a:p>
             <a:fld id="{2076456F-F47D-4F25-8053-2A695DA0CA7D}" type="datetimeFigureOut">
               <a:rPr lang="en-US" smtClean="0"/>
-              <a:t>10/18/2017</a:t>
+              <a:t>10/21/2017</a:t>
             </a:fld>
             <a:endParaRPr lang="en-US" dirty="0"/>
           </a:p>
@@ -1196,7 +1196,7 @@
           <a:p>
             <a:fld id="{5D6C7379-69CC-4837-9905-BEBA22830C8A}" type="datetimeFigureOut">
               <a:rPr lang="en-US" smtClean="0"/>
-              <a:t>10/18/2017</a:t>
+              <a:t>10/21/2017</a:t>
             </a:fld>
             <a:endParaRPr lang="en-US" dirty="0"/>
           </a:p>
@@ -1684,7 +1684,7 @@
           <a:p>
             <a:fld id="{49EB8B7E-8AEE-4F10-BFEE-C999AD004D36}" type="datetimeFigureOut">
               <a:rPr lang="en-US" smtClean="0"/>
-              <a:t>10/18/2017</a:t>
+              <a:t>10/21/2017</a:t>
             </a:fld>
             <a:endParaRPr lang="en-US" dirty="0"/>
           </a:p>
@@ -2292,7 +2292,7 @@
           <a:p>
             <a:fld id="{8668F3F9-58BC-440B-B37B-805B9055EF92}" type="datetimeFigureOut">
               <a:rPr lang="en-US" smtClean="0"/>
-              <a:t>10/18/2017</a:t>
+              <a:t>10/21/2017</a:t>
             </a:fld>
             <a:endParaRPr lang="en-US" dirty="0"/>
           </a:p>
@@ -3185,7 +3185,7 @@
           <a:p>
             <a:fld id="{0D5A53AF-48EA-489D-8260-9DCAB666386A}" type="datetimeFigureOut">
               <a:rPr lang="en-US" smtClean="0"/>
-              <a:t>10/18/2017</a:t>
+              <a:t>10/21/2017</a:t>
             </a:fld>
             <a:endParaRPr lang="en-US" dirty="0"/>
           </a:p>
@@ -3417,7 +3417,7 @@
           <a:p>
             <a:fld id="{0DED02AE-B9A4-47BD-AF8E-97E16144138B}" type="datetimeFigureOut">
               <a:rPr lang="en-US" smtClean="0"/>
-              <a:t>10/18/2017</a:t>
+              <a:t>10/21/2017</a:t>
             </a:fld>
             <a:endParaRPr lang="en-US" dirty="0"/>
           </a:p>
@@ -3659,7 +3659,7 @@
           <a:p>
             <a:fld id="{CF0FD78B-DB02-4362-BCDC-98A55456977C}" type="datetimeFigureOut">
               <a:rPr lang="en-US" smtClean="0"/>
-              <a:t>10/18/2017</a:t>
+              <a:t>10/21/2017</a:t>
             </a:fld>
             <a:endParaRPr lang="en-US" dirty="0"/>
           </a:p>
@@ -3906,7 +3906,7 @@
           <a:p>
             <a:fld id="{99916976-5D93-46E4-A98A-FAD63E4D0EA8}" type="datetimeFigureOut">
               <a:rPr lang="en-US" smtClean="0"/>
-              <a:t>10/18/2017</a:t>
+              <a:t>10/21/2017</a:t>
             </a:fld>
             <a:endParaRPr lang="en-US" dirty="0"/>
           </a:p>
@@ -4207,7 +4207,7 @@
           <a:p>
             <a:fld id="{0F39F4F5-F4D2-4D2A-AB60-88D37ADCB869}" type="datetimeFigureOut">
               <a:rPr lang="en-US" smtClean="0"/>
-              <a:t>10/18/2017</a:t>
+              <a:t>10/21/2017</a:t>
             </a:fld>
             <a:endParaRPr lang="en-US" dirty="0"/>
           </a:p>
@@ -4439,7 +4439,7 @@
           <a:p>
             <a:fld id="{D23BC6CE-6D1E-47E5-8859-F31AC5380EB2}" type="datetimeFigureOut">
               <a:rPr lang="en-US" smtClean="0"/>
-              <a:t>10/18/2017</a:t>
+              <a:t>10/21/2017</a:t>
             </a:fld>
             <a:endParaRPr lang="en-US" dirty="0"/>
           </a:p>
@@ -4834,7 +4834,7 @@
           <a:p>
             <a:fld id="{B1B4E7C4-4DA4-404D-9965-B13F2DD7D8BF}" type="datetimeFigureOut">
               <a:rPr lang="en-US" smtClean="0"/>
-              <a:t>10/18/2017</a:t>
+              <a:t>10/21/2017</a:t>
             </a:fld>
             <a:endParaRPr lang="en-US" dirty="0"/>
           </a:p>
@@ -4952,7 +4952,7 @@
           <a:p>
             <a:fld id="{476FB7AA-4A53-424F-AD41-70827B6504BA}" type="datetimeFigureOut">
               <a:rPr lang="en-US" smtClean="0"/>
-              <a:t>10/18/2017</a:t>
+              <a:t>10/21/2017</a:t>
             </a:fld>
             <a:endParaRPr lang="en-US" dirty="0"/>
           </a:p>
@@ -5047,7 +5047,7 @@
           <a:p>
             <a:fld id="{E7884882-FB12-4BC8-9960-9AD8104D7FAE}" type="datetimeFigureOut">
               <a:rPr lang="en-US" smtClean="0"/>
-              <a:t>10/18/2017</a:t>
+              <a:t>10/21/2017</a:t>
             </a:fld>
             <a:endParaRPr lang="en-US" dirty="0"/>
           </a:p>
@@ -5322,7 +5322,7 @@
           <a:p>
             <a:fld id="{F7D1BD23-6E54-4D9D-AD88-A2813C73CC25}" type="datetimeFigureOut">
               <a:rPr lang="en-US" smtClean="0"/>
-              <a:t>10/18/2017</a:t>
+              <a:t>10/21/2017</a:t>
             </a:fld>
             <a:endParaRPr lang="en-US" dirty="0"/>
           </a:p>
@@ -5605,7 +5605,7 @@
           <a:p>
             <a:fld id="{1471A834-4F3C-4AF9-9C74-05EC35A0F292}" type="datetimeFigureOut">
               <a:rPr lang="en-US" smtClean="0"/>
-              <a:t>10/18/2017</a:t>
+              <a:t>10/21/2017</a:t>
             </a:fld>
             <a:endParaRPr lang="en-US" dirty="0"/>
           </a:p>
@@ -5839,7 +5839,7 @@
             <a:fld id="{51CF1133-3259-4C45-BABA-5B62D9C6F78D}" type="datetimeFigureOut">
               <a:rPr lang="en-US" smtClean="0"/>
               <a:pPr/>
-              <a:t>10/18/2017</a:t>
+              <a:t>10/21/2017</a:t>
             </a:fld>
             <a:endParaRPr lang="en-US" dirty="0"/>
           </a:p>
@@ -10910,7 +10910,12 @@
             <p:ph type="title"/>
           </p:nvPr>
         </p:nvSpPr>
-        <p:spPr/>
+        <p:spPr>
+          <a:xfrm>
+            <a:off x="628650" y="392835"/>
+            <a:ext cx="7886700" cy="1325563"/>
+          </a:xfrm>
+        </p:spPr>
         <p:txBody>
           <a:bodyPr/>
           <a:lstStyle/>
@@ -10918,10 +10923,7 @@
             <a:r>
               <a:rPr lang="en-CA" b="1" dirty="0">
                 <a:solidFill>
-                  <a:schemeClr val="bg1">
-                    <a:lumMod val="50000"/>
-                    <a:lumOff val="50000"/>
-                  </a:schemeClr>
+                  <a:srgbClr val="00B0F0"/>
                 </a:solidFill>
               </a:rPr>
               <a:t>Agenda</a:t>

--- a/Disused code/Misc/DLM_DFO/Lectures/1 Introduction/L1b Background.pptx
+++ b/Disused code/Misc/DLM_DFO/Lectures/1 Introduction/L1b Background.pptx
@@ -337,7 +337,7 @@
           <a:p>
             <a:fld id="{ECD19FB2-3AAB-4D03-B13A-2960828C78E3}" type="datetimeFigureOut">
               <a:rPr lang="en-US" smtClean="0"/>
-              <a:t>10/21/2017</a:t>
+              <a:t>10/31/2017</a:t>
             </a:fld>
             <a:endParaRPr lang="en-US" dirty="0"/>
           </a:p>
@@ -619,7 +619,7 @@
           <a:p>
             <a:fld id="{1B80C674-7DFC-42FE-B9CD-82963CDB1557}" type="datetimeFigureOut">
               <a:rPr lang="en-US" smtClean="0"/>
-              <a:t>10/21/2017</a:t>
+              <a:t>10/31/2017</a:t>
             </a:fld>
             <a:endParaRPr lang="en-US" dirty="0"/>
           </a:p>
@@ -873,7 +873,7 @@
           <a:p>
             <a:fld id="{2076456F-F47D-4F25-8053-2A695DA0CA7D}" type="datetimeFigureOut">
               <a:rPr lang="en-US" smtClean="0"/>
-              <a:t>10/21/2017</a:t>
+              <a:t>10/31/2017</a:t>
             </a:fld>
             <a:endParaRPr lang="en-US" dirty="0"/>
           </a:p>
@@ -1196,7 +1196,7 @@
           <a:p>
             <a:fld id="{5D6C7379-69CC-4837-9905-BEBA22830C8A}" type="datetimeFigureOut">
               <a:rPr lang="en-US" smtClean="0"/>
-              <a:t>10/21/2017</a:t>
+              <a:t>10/31/2017</a:t>
             </a:fld>
             <a:endParaRPr lang="en-US" dirty="0"/>
           </a:p>
@@ -1684,7 +1684,7 @@
           <a:p>
             <a:fld id="{49EB8B7E-8AEE-4F10-BFEE-C999AD004D36}" type="datetimeFigureOut">
               <a:rPr lang="en-US" smtClean="0"/>
-              <a:t>10/21/2017</a:t>
+              <a:t>10/31/2017</a:t>
             </a:fld>
             <a:endParaRPr lang="en-US" dirty="0"/>
           </a:p>
@@ -2292,7 +2292,7 @@
           <a:p>
             <a:fld id="{8668F3F9-58BC-440B-B37B-805B9055EF92}" type="datetimeFigureOut">
               <a:rPr lang="en-US" smtClean="0"/>
-              <a:t>10/21/2017</a:t>
+              <a:t>10/31/2017</a:t>
             </a:fld>
             <a:endParaRPr lang="en-US" dirty="0"/>
           </a:p>
@@ -3185,7 +3185,7 @@
           <a:p>
             <a:fld id="{0D5A53AF-48EA-489D-8260-9DCAB666386A}" type="datetimeFigureOut">
               <a:rPr lang="en-US" smtClean="0"/>
-              <a:t>10/21/2017</a:t>
+              <a:t>10/31/2017</a:t>
             </a:fld>
             <a:endParaRPr lang="en-US" dirty="0"/>
           </a:p>
@@ -3417,7 +3417,7 @@
           <a:p>
             <a:fld id="{0DED02AE-B9A4-47BD-AF8E-97E16144138B}" type="datetimeFigureOut">
               <a:rPr lang="en-US" smtClean="0"/>
-              <a:t>10/21/2017</a:t>
+              <a:t>10/31/2017</a:t>
             </a:fld>
             <a:endParaRPr lang="en-US" dirty="0"/>
           </a:p>
@@ -3659,7 +3659,7 @@
           <a:p>
             <a:fld id="{CF0FD78B-DB02-4362-BCDC-98A55456977C}" type="datetimeFigureOut">
               <a:rPr lang="en-US" smtClean="0"/>
-              <a:t>10/21/2017</a:t>
+              <a:t>10/31/2017</a:t>
             </a:fld>
             <a:endParaRPr lang="en-US" dirty="0"/>
           </a:p>
@@ -3906,7 +3906,7 @@
           <a:p>
             <a:fld id="{99916976-5D93-46E4-A98A-FAD63E4D0EA8}" type="datetimeFigureOut">
               <a:rPr lang="en-US" smtClean="0"/>
-              <a:t>10/21/2017</a:t>
+              <a:t>10/31/2017</a:t>
             </a:fld>
             <a:endParaRPr lang="en-US" dirty="0"/>
           </a:p>
@@ -4207,7 +4207,7 @@
           <a:p>
             <a:fld id="{0F39F4F5-F4D2-4D2A-AB60-88D37ADCB869}" type="datetimeFigureOut">
               <a:rPr lang="en-US" smtClean="0"/>
-              <a:t>10/21/2017</a:t>
+              <a:t>10/31/2017</a:t>
             </a:fld>
             <a:endParaRPr lang="en-US" dirty="0"/>
           </a:p>
@@ -4439,7 +4439,7 @@
           <a:p>
             <a:fld id="{D23BC6CE-6D1E-47E5-8859-F31AC5380EB2}" type="datetimeFigureOut">
               <a:rPr lang="en-US" smtClean="0"/>
-              <a:t>10/21/2017</a:t>
+              <a:t>10/31/2017</a:t>
             </a:fld>
             <a:endParaRPr lang="en-US" dirty="0"/>
           </a:p>
@@ -4834,7 +4834,7 @@
           <a:p>
             <a:fld id="{B1B4E7C4-4DA4-404D-9965-B13F2DD7D8BF}" type="datetimeFigureOut">
               <a:rPr lang="en-US" smtClean="0"/>
-              <a:t>10/21/2017</a:t>
+              <a:t>10/31/2017</a:t>
             </a:fld>
             <a:endParaRPr lang="en-US" dirty="0"/>
           </a:p>
@@ -4952,7 +4952,7 @@
           <a:p>
             <a:fld id="{476FB7AA-4A53-424F-AD41-70827B6504BA}" type="datetimeFigureOut">
               <a:rPr lang="en-US" smtClean="0"/>
-              <a:t>10/21/2017</a:t>
+              <a:t>10/31/2017</a:t>
             </a:fld>
             <a:endParaRPr lang="en-US" dirty="0"/>
           </a:p>
@@ -5047,7 +5047,7 @@
           <a:p>
             <a:fld id="{E7884882-FB12-4BC8-9960-9AD8104D7FAE}" type="datetimeFigureOut">
               <a:rPr lang="en-US" smtClean="0"/>
-              <a:t>10/21/2017</a:t>
+              <a:t>10/31/2017</a:t>
             </a:fld>
             <a:endParaRPr lang="en-US" dirty="0"/>
           </a:p>
@@ -5322,7 +5322,7 @@
           <a:p>
             <a:fld id="{F7D1BD23-6E54-4D9D-AD88-A2813C73CC25}" type="datetimeFigureOut">
               <a:rPr lang="en-US" smtClean="0"/>
-              <a:t>10/21/2017</a:t>
+              <a:t>10/31/2017</a:t>
             </a:fld>
             <a:endParaRPr lang="en-US" dirty="0"/>
           </a:p>
@@ -5605,7 +5605,7 @@
           <a:p>
             <a:fld id="{1471A834-4F3C-4AF9-9C74-05EC35A0F292}" type="datetimeFigureOut">
               <a:rPr lang="en-US" smtClean="0"/>
-              <a:t>10/21/2017</a:t>
+              <a:t>10/31/2017</a:t>
             </a:fld>
             <a:endParaRPr lang="en-US" dirty="0"/>
           </a:p>
@@ -5839,7 +5839,7 @@
             <a:fld id="{51CF1133-3259-4C45-BABA-5B62D9C6F78D}" type="datetimeFigureOut">
               <a:rPr lang="en-US" smtClean="0"/>
               <a:pPr/>
-              <a:t>10/21/2017</a:t>
+              <a:t>10/31/2017</a:t>
             </a:fld>
             <a:endParaRPr lang="en-US" dirty="0"/>
           </a:p>
@@ -6322,7 +6322,7 @@
                   <a:srgbClr val="27AFE5"/>
                 </a:solidFill>
               </a:rPr>
-              <a:t>Data-Limited Fisheries Toolkit </a:t>
+              <a:t>Data-Limited Methods Toolkit </a:t>
             </a:r>
           </a:p>
         </p:txBody>
